--- a/ProjectPPT.pptx
+++ b/ProjectPPT.pptx
@@ -335,7 +335,8 @@
           <a:p>
             <a:fld id="{891E0010-B0D1-49E3-8435-10962E01AE18}" type="datetimeFigureOut">
               <a:rPr lang="en-US" smtClean="0"/>
-              <a:t>11/29/2018</a:t>
+              <a:pPr/>
+              <a:t>12/4/2018</a:t>
             </a:fld>
             <a:endParaRPr lang="en-US"/>
           </a:p>
@@ -399,6 +400,7 @@
           <a:p>
             <a:fld id="{4DD669B8-FCD8-4FFA-8E54-E01A2EB04F97}" type="slidenum">
               <a:rPr lang="en-US" smtClean="0"/>
+              <a:pPr/>
               <a:t>‹#›</a:t>
             </a:fld>
             <a:endParaRPr lang="en-US"/>
@@ -522,7 +524,8 @@
           <a:p>
             <a:fld id="{891E0010-B0D1-49E3-8435-10962E01AE18}" type="datetimeFigureOut">
               <a:rPr lang="en-US" smtClean="0"/>
-              <a:t>11/29/2018</a:t>
+              <a:pPr/>
+              <a:t>12/4/2018</a:t>
             </a:fld>
             <a:endParaRPr lang="en-US"/>
           </a:p>
@@ -564,6 +567,7 @@
           <a:p>
             <a:fld id="{4DD669B8-FCD8-4FFA-8E54-E01A2EB04F97}" type="slidenum">
               <a:rPr lang="en-US" smtClean="0"/>
+              <a:pPr/>
               <a:t>‹#›</a:t>
             </a:fld>
             <a:endParaRPr lang="en-US"/>
@@ -697,7 +701,8 @@
           <a:p>
             <a:fld id="{891E0010-B0D1-49E3-8435-10962E01AE18}" type="datetimeFigureOut">
               <a:rPr lang="en-US" smtClean="0"/>
-              <a:t>11/29/2018</a:t>
+              <a:pPr/>
+              <a:t>12/4/2018</a:t>
             </a:fld>
             <a:endParaRPr lang="en-US"/>
           </a:p>
@@ -739,6 +744,7 @@
           <a:p>
             <a:fld id="{4DD669B8-FCD8-4FFA-8E54-E01A2EB04F97}" type="slidenum">
               <a:rPr lang="en-US" smtClean="0"/>
+              <a:pPr/>
               <a:t>‹#›</a:t>
             </a:fld>
             <a:endParaRPr lang="en-US"/>
@@ -877,7 +883,8 @@
           <a:p>
             <a:fld id="{891E0010-B0D1-49E3-8435-10962E01AE18}" type="datetimeFigureOut">
               <a:rPr lang="en-US" smtClean="0"/>
-              <a:t>11/29/2018</a:t>
+              <a:pPr/>
+              <a:t>12/4/2018</a:t>
             </a:fld>
             <a:endParaRPr lang="en-US"/>
           </a:p>
@@ -924,6 +931,7 @@
           <a:p>
             <a:fld id="{4DD669B8-FCD8-4FFA-8E54-E01A2EB04F97}" type="slidenum">
               <a:rPr lang="en-US" smtClean="0"/>
+              <a:pPr/>
               <a:t>‹#›</a:t>
             </a:fld>
             <a:endParaRPr lang="en-US"/>
@@ -1124,7 +1132,8 @@
           <a:p>
             <a:fld id="{891E0010-B0D1-49E3-8435-10962E01AE18}" type="datetimeFigureOut">
               <a:rPr lang="en-US" smtClean="0"/>
-              <a:t>11/29/2018</a:t>
+              <a:pPr/>
+              <a:t>12/4/2018</a:t>
             </a:fld>
             <a:endParaRPr lang="en-US"/>
           </a:p>
@@ -1176,6 +1185,7 @@
           <a:p>
             <a:fld id="{4DD669B8-FCD8-4FFA-8E54-E01A2EB04F97}" type="slidenum">
               <a:rPr lang="en-US" smtClean="0"/>
+              <a:pPr/>
               <a:t>‹#›</a:t>
             </a:fld>
             <a:endParaRPr lang="en-US"/>
@@ -1598,7 +1608,8 @@
           <a:p>
             <a:fld id="{891E0010-B0D1-49E3-8435-10962E01AE18}" type="datetimeFigureOut">
               <a:rPr lang="en-US" smtClean="0"/>
-              <a:t>11/29/2018</a:t>
+              <a:pPr/>
+              <a:t>12/4/2018</a:t>
             </a:fld>
             <a:endParaRPr lang="en-US"/>
           </a:p>
@@ -1650,6 +1661,7 @@
           <a:p>
             <a:fld id="{4DD669B8-FCD8-4FFA-8E54-E01A2EB04F97}" type="slidenum">
               <a:rPr lang="en-US" smtClean="0"/>
+              <a:pPr/>
               <a:t>‹#›</a:t>
             </a:fld>
             <a:endParaRPr lang="en-US"/>
@@ -2013,7 +2025,8 @@
           <a:p>
             <a:fld id="{891E0010-B0D1-49E3-8435-10962E01AE18}" type="datetimeFigureOut">
               <a:rPr lang="en-US" smtClean="0"/>
-              <a:t>11/29/2018</a:t>
+              <a:pPr/>
+              <a:t>12/4/2018</a:t>
             </a:fld>
             <a:endParaRPr lang="en-US"/>
           </a:p>
@@ -2069,6 +2082,7 @@
           <a:p>
             <a:fld id="{4DD669B8-FCD8-4FFA-8E54-E01A2EB04F97}" type="slidenum">
               <a:rPr lang="en-US" smtClean="0"/>
+              <a:pPr/>
               <a:t>‹#›</a:t>
             </a:fld>
             <a:endParaRPr lang="en-US"/>
@@ -2144,7 +2158,8 @@
           <a:p>
             <a:fld id="{891E0010-B0D1-49E3-8435-10962E01AE18}" type="datetimeFigureOut">
               <a:rPr lang="en-US" smtClean="0"/>
-              <a:t>11/29/2018</a:t>
+              <a:pPr/>
+              <a:t>12/4/2018</a:t>
             </a:fld>
             <a:endParaRPr lang="en-US"/>
           </a:p>
@@ -2186,6 +2201,7 @@
           <a:p>
             <a:fld id="{4DD669B8-FCD8-4FFA-8E54-E01A2EB04F97}" type="slidenum">
               <a:rPr lang="en-US" smtClean="0"/>
+              <a:pPr/>
               <a:t>‹#›</a:t>
             </a:fld>
             <a:endParaRPr lang="en-US"/>
@@ -2239,7 +2255,8 @@
           <a:p>
             <a:fld id="{891E0010-B0D1-49E3-8435-10962E01AE18}" type="datetimeFigureOut">
               <a:rPr lang="en-US" smtClean="0"/>
-              <a:t>11/29/2018</a:t>
+              <a:pPr/>
+              <a:t>12/4/2018</a:t>
             </a:fld>
             <a:endParaRPr lang="en-US"/>
           </a:p>
@@ -2291,6 +2308,7 @@
           <a:p>
             <a:fld id="{4DD669B8-FCD8-4FFA-8E54-E01A2EB04F97}" type="slidenum">
               <a:rPr lang="en-US" smtClean="0"/>
+              <a:pPr/>
               <a:t>‹#›</a:t>
             </a:fld>
             <a:endParaRPr lang="en-US"/>
@@ -2517,7 +2535,8 @@
           <a:p>
             <a:fld id="{891E0010-B0D1-49E3-8435-10962E01AE18}" type="datetimeFigureOut">
               <a:rPr lang="en-US" smtClean="0"/>
-              <a:t>11/29/2018</a:t>
+              <a:pPr/>
+              <a:t>12/4/2018</a:t>
             </a:fld>
             <a:endParaRPr lang="en-US"/>
           </a:p>
@@ -2577,6 +2596,7 @@
           <a:p>
             <a:fld id="{4DD669B8-FCD8-4FFA-8E54-E01A2EB04F97}" type="slidenum">
               <a:rPr lang="en-US" smtClean="0"/>
+              <a:pPr/>
               <a:t>‹#›</a:t>
             </a:fld>
             <a:endParaRPr lang="en-US"/>
@@ -2769,7 +2789,8 @@
           <a:p>
             <a:fld id="{891E0010-B0D1-49E3-8435-10962E01AE18}" type="datetimeFigureOut">
               <a:rPr lang="en-US" smtClean="0"/>
-              <a:t>11/29/2018</a:t>
+              <a:pPr/>
+              <a:t>12/4/2018</a:t>
             </a:fld>
             <a:endParaRPr lang="en-US"/>
           </a:p>
@@ -2829,6 +2850,7 @@
           <a:p>
             <a:fld id="{4DD669B8-FCD8-4FFA-8E54-E01A2EB04F97}" type="slidenum">
               <a:rPr lang="en-US" smtClean="0"/>
+              <a:pPr/>
               <a:t>‹#›</a:t>
             </a:fld>
             <a:endParaRPr lang="en-US"/>
@@ -3141,7 +3163,8 @@
           <a:p>
             <a:fld id="{891E0010-B0D1-49E3-8435-10962E01AE18}" type="datetimeFigureOut">
               <a:rPr lang="en-US" smtClean="0"/>
-              <a:t>11/29/2018</a:t>
+              <a:pPr/>
+              <a:t>12/4/2018</a:t>
             </a:fld>
             <a:endParaRPr lang="en-US"/>
           </a:p>
@@ -3215,6 +3238,7 @@
           <a:p>
             <a:fld id="{4DD669B8-FCD8-4FFA-8E54-E01A2EB04F97}" type="slidenum">
               <a:rPr lang="en-US" smtClean="0"/>
+              <a:pPr/>
               <a:t>‹#›</a:t>
             </a:fld>
             <a:endParaRPr lang="en-US"/>
@@ -3600,15 +3624,27 @@
           <a:p>
             <a:r>
               <a:rPr lang="en-US" dirty="0" smtClean="0"/>
-              <a:t>By: Mercedes, </a:t>
-            </a:r>
+              <a:t>By: </a:t>
+            </a:r>
+            <a:r>
+              <a:rPr lang="en-US" dirty="0" smtClean="0"/>
+              <a:t>Mercedes Kent </a:t>
+            </a:r>
+          </a:p>
+          <a:p>
             <a:r>
               <a:rPr lang="en-US" dirty="0" err="1" smtClean="0"/>
               <a:t>Tejash</a:t>
             </a:r>
             <a:r>
               <a:rPr lang="en-US" dirty="0" smtClean="0"/>
-              <a:t>, Jesse</a:t>
+              <a:t> Patel </a:t>
+            </a:r>
+          </a:p>
+          <a:p>
+            <a:r>
+              <a:rPr lang="en-US" smtClean="0"/>
+              <a:t>Jessie Wilkins</a:t>
             </a:r>
             <a:endParaRPr lang="en-US" dirty="0"/>
           </a:p>

--- a/ProjectPPT.pptx
+++ b/ProjectPPT.pptx
@@ -335,8 +335,7 @@
           <a:p>
             <a:fld id="{891E0010-B0D1-49E3-8435-10962E01AE18}" type="datetimeFigureOut">
               <a:rPr lang="en-US" smtClean="0"/>
-              <a:pPr/>
-              <a:t>12/4/2018</a:t>
+              <a:t>11/29/2018</a:t>
             </a:fld>
             <a:endParaRPr lang="en-US"/>
           </a:p>
@@ -400,7 +399,6 @@
           <a:p>
             <a:fld id="{4DD669B8-FCD8-4FFA-8E54-E01A2EB04F97}" type="slidenum">
               <a:rPr lang="en-US" smtClean="0"/>
-              <a:pPr/>
               <a:t>‹#›</a:t>
             </a:fld>
             <a:endParaRPr lang="en-US"/>
@@ -524,8 +522,7 @@
           <a:p>
             <a:fld id="{891E0010-B0D1-49E3-8435-10962E01AE18}" type="datetimeFigureOut">
               <a:rPr lang="en-US" smtClean="0"/>
-              <a:pPr/>
-              <a:t>12/4/2018</a:t>
+              <a:t>11/29/2018</a:t>
             </a:fld>
             <a:endParaRPr lang="en-US"/>
           </a:p>
@@ -567,7 +564,6 @@
           <a:p>
             <a:fld id="{4DD669B8-FCD8-4FFA-8E54-E01A2EB04F97}" type="slidenum">
               <a:rPr lang="en-US" smtClean="0"/>
-              <a:pPr/>
               <a:t>‹#›</a:t>
             </a:fld>
             <a:endParaRPr lang="en-US"/>
@@ -701,8 +697,7 @@
           <a:p>
             <a:fld id="{891E0010-B0D1-49E3-8435-10962E01AE18}" type="datetimeFigureOut">
               <a:rPr lang="en-US" smtClean="0"/>
-              <a:pPr/>
-              <a:t>12/4/2018</a:t>
+              <a:t>11/29/2018</a:t>
             </a:fld>
             <a:endParaRPr lang="en-US"/>
           </a:p>
@@ -744,7 +739,6 @@
           <a:p>
             <a:fld id="{4DD669B8-FCD8-4FFA-8E54-E01A2EB04F97}" type="slidenum">
               <a:rPr lang="en-US" smtClean="0"/>
-              <a:pPr/>
               <a:t>‹#›</a:t>
             </a:fld>
             <a:endParaRPr lang="en-US"/>
@@ -883,8 +877,7 @@
           <a:p>
             <a:fld id="{891E0010-B0D1-49E3-8435-10962E01AE18}" type="datetimeFigureOut">
               <a:rPr lang="en-US" smtClean="0"/>
-              <a:pPr/>
-              <a:t>12/4/2018</a:t>
+              <a:t>11/29/2018</a:t>
             </a:fld>
             <a:endParaRPr lang="en-US"/>
           </a:p>
@@ -931,7 +924,6 @@
           <a:p>
             <a:fld id="{4DD669B8-FCD8-4FFA-8E54-E01A2EB04F97}" type="slidenum">
               <a:rPr lang="en-US" smtClean="0"/>
-              <a:pPr/>
               <a:t>‹#›</a:t>
             </a:fld>
             <a:endParaRPr lang="en-US"/>
@@ -1132,8 +1124,7 @@
           <a:p>
             <a:fld id="{891E0010-B0D1-49E3-8435-10962E01AE18}" type="datetimeFigureOut">
               <a:rPr lang="en-US" smtClean="0"/>
-              <a:pPr/>
-              <a:t>12/4/2018</a:t>
+              <a:t>11/29/2018</a:t>
             </a:fld>
             <a:endParaRPr lang="en-US"/>
           </a:p>
@@ -1185,7 +1176,6 @@
           <a:p>
             <a:fld id="{4DD669B8-FCD8-4FFA-8E54-E01A2EB04F97}" type="slidenum">
               <a:rPr lang="en-US" smtClean="0"/>
-              <a:pPr/>
               <a:t>‹#›</a:t>
             </a:fld>
             <a:endParaRPr lang="en-US"/>
@@ -1608,8 +1598,7 @@
           <a:p>
             <a:fld id="{891E0010-B0D1-49E3-8435-10962E01AE18}" type="datetimeFigureOut">
               <a:rPr lang="en-US" smtClean="0"/>
-              <a:pPr/>
-              <a:t>12/4/2018</a:t>
+              <a:t>11/29/2018</a:t>
             </a:fld>
             <a:endParaRPr lang="en-US"/>
           </a:p>
@@ -1661,7 +1650,6 @@
           <a:p>
             <a:fld id="{4DD669B8-FCD8-4FFA-8E54-E01A2EB04F97}" type="slidenum">
               <a:rPr lang="en-US" smtClean="0"/>
-              <a:pPr/>
               <a:t>‹#›</a:t>
             </a:fld>
             <a:endParaRPr lang="en-US"/>
@@ -2025,8 +2013,7 @@
           <a:p>
             <a:fld id="{891E0010-B0D1-49E3-8435-10962E01AE18}" type="datetimeFigureOut">
               <a:rPr lang="en-US" smtClean="0"/>
-              <a:pPr/>
-              <a:t>12/4/2018</a:t>
+              <a:t>11/29/2018</a:t>
             </a:fld>
             <a:endParaRPr lang="en-US"/>
           </a:p>
@@ -2082,7 +2069,6 @@
           <a:p>
             <a:fld id="{4DD669B8-FCD8-4FFA-8E54-E01A2EB04F97}" type="slidenum">
               <a:rPr lang="en-US" smtClean="0"/>
-              <a:pPr/>
               <a:t>‹#›</a:t>
             </a:fld>
             <a:endParaRPr lang="en-US"/>
@@ -2158,8 +2144,7 @@
           <a:p>
             <a:fld id="{891E0010-B0D1-49E3-8435-10962E01AE18}" type="datetimeFigureOut">
               <a:rPr lang="en-US" smtClean="0"/>
-              <a:pPr/>
-              <a:t>12/4/2018</a:t>
+              <a:t>11/29/2018</a:t>
             </a:fld>
             <a:endParaRPr lang="en-US"/>
           </a:p>
@@ -2201,7 +2186,6 @@
           <a:p>
             <a:fld id="{4DD669B8-FCD8-4FFA-8E54-E01A2EB04F97}" type="slidenum">
               <a:rPr lang="en-US" smtClean="0"/>
-              <a:pPr/>
               <a:t>‹#›</a:t>
             </a:fld>
             <a:endParaRPr lang="en-US"/>
@@ -2255,8 +2239,7 @@
           <a:p>
             <a:fld id="{891E0010-B0D1-49E3-8435-10962E01AE18}" type="datetimeFigureOut">
               <a:rPr lang="en-US" smtClean="0"/>
-              <a:pPr/>
-              <a:t>12/4/2018</a:t>
+              <a:t>11/29/2018</a:t>
             </a:fld>
             <a:endParaRPr lang="en-US"/>
           </a:p>
@@ -2308,7 +2291,6 @@
           <a:p>
             <a:fld id="{4DD669B8-FCD8-4FFA-8E54-E01A2EB04F97}" type="slidenum">
               <a:rPr lang="en-US" smtClean="0"/>
-              <a:pPr/>
               <a:t>‹#›</a:t>
             </a:fld>
             <a:endParaRPr lang="en-US"/>
@@ -2535,8 +2517,7 @@
           <a:p>
             <a:fld id="{891E0010-B0D1-49E3-8435-10962E01AE18}" type="datetimeFigureOut">
               <a:rPr lang="en-US" smtClean="0"/>
-              <a:pPr/>
-              <a:t>12/4/2018</a:t>
+              <a:t>11/29/2018</a:t>
             </a:fld>
             <a:endParaRPr lang="en-US"/>
           </a:p>
@@ -2596,7 +2577,6 @@
           <a:p>
             <a:fld id="{4DD669B8-FCD8-4FFA-8E54-E01A2EB04F97}" type="slidenum">
               <a:rPr lang="en-US" smtClean="0"/>
-              <a:pPr/>
               <a:t>‹#›</a:t>
             </a:fld>
             <a:endParaRPr lang="en-US"/>
@@ -2789,8 +2769,7 @@
           <a:p>
             <a:fld id="{891E0010-B0D1-49E3-8435-10962E01AE18}" type="datetimeFigureOut">
               <a:rPr lang="en-US" smtClean="0"/>
-              <a:pPr/>
-              <a:t>12/4/2018</a:t>
+              <a:t>11/29/2018</a:t>
             </a:fld>
             <a:endParaRPr lang="en-US"/>
           </a:p>
@@ -2850,7 +2829,6 @@
           <a:p>
             <a:fld id="{4DD669B8-FCD8-4FFA-8E54-E01A2EB04F97}" type="slidenum">
               <a:rPr lang="en-US" smtClean="0"/>
-              <a:pPr/>
               <a:t>‹#›</a:t>
             </a:fld>
             <a:endParaRPr lang="en-US"/>
@@ -3163,8 +3141,7 @@
           <a:p>
             <a:fld id="{891E0010-B0D1-49E3-8435-10962E01AE18}" type="datetimeFigureOut">
               <a:rPr lang="en-US" smtClean="0"/>
-              <a:pPr/>
-              <a:t>12/4/2018</a:t>
+              <a:t>11/29/2018</a:t>
             </a:fld>
             <a:endParaRPr lang="en-US"/>
           </a:p>
@@ -3238,7 +3215,6 @@
           <a:p>
             <a:fld id="{4DD669B8-FCD8-4FFA-8E54-E01A2EB04F97}" type="slidenum">
               <a:rPr lang="en-US" smtClean="0"/>
-              <a:pPr/>
               <a:t>‹#›</a:t>
             </a:fld>
             <a:endParaRPr lang="en-US"/>
@@ -3624,27 +3600,15 @@
           <a:p>
             <a:r>
               <a:rPr lang="en-US" dirty="0" smtClean="0"/>
-              <a:t>By: </a:t>
-            </a:r>
-            <a:r>
-              <a:rPr lang="en-US" dirty="0" smtClean="0"/>
-              <a:t>Mercedes Kent </a:t>
-            </a:r>
-          </a:p>
-          <a:p>
+              <a:t>By: Mercedes, </a:t>
+            </a:r>
             <a:r>
               <a:rPr lang="en-US" dirty="0" err="1" smtClean="0"/>
               <a:t>Tejash</a:t>
             </a:r>
             <a:r>
               <a:rPr lang="en-US" dirty="0" smtClean="0"/>
-              <a:t> Patel </a:t>
-            </a:r>
-          </a:p>
-          <a:p>
-            <a:r>
-              <a:rPr lang="en-US" smtClean="0"/>
-              <a:t>Jessie Wilkins</a:t>
+              <a:t>, Jesse</a:t>
             </a:r>
             <a:endParaRPr lang="en-US" dirty="0"/>
           </a:p>

--- a/ProjectPPT.pptx
+++ b/ProjectPPT.pptx
@@ -15,6 +15,8 @@
     <p:sldId id="263" r:id="rId9"/>
     <p:sldId id="264" r:id="rId10"/>
     <p:sldId id="265" r:id="rId11"/>
+    <p:sldId id="266" r:id="rId12"/>
+    <p:sldId id="267" r:id="rId13"/>
   </p:sldIdLst>
   <p:sldSz cx="9144000" cy="6858000" type="screen4x3"/>
   <p:notesSz cx="6858000" cy="9144000"/>
@@ -335,7 +337,8 @@
           <a:p>
             <a:fld id="{891E0010-B0D1-49E3-8435-10962E01AE18}" type="datetimeFigureOut">
               <a:rPr lang="en-US" smtClean="0"/>
-              <a:t>11/29/2018</a:t>
+              <a:pPr/>
+              <a:t>12/4/2018</a:t>
             </a:fld>
             <a:endParaRPr lang="en-US"/>
           </a:p>
@@ -399,6 +402,7 @@
           <a:p>
             <a:fld id="{4DD669B8-FCD8-4FFA-8E54-E01A2EB04F97}" type="slidenum">
               <a:rPr lang="en-US" smtClean="0"/>
+              <a:pPr/>
               <a:t>‹#›</a:t>
             </a:fld>
             <a:endParaRPr lang="en-US"/>
@@ -522,7 +526,8 @@
           <a:p>
             <a:fld id="{891E0010-B0D1-49E3-8435-10962E01AE18}" type="datetimeFigureOut">
               <a:rPr lang="en-US" smtClean="0"/>
-              <a:t>11/29/2018</a:t>
+              <a:pPr/>
+              <a:t>12/4/2018</a:t>
             </a:fld>
             <a:endParaRPr lang="en-US"/>
           </a:p>
@@ -564,6 +569,7 @@
           <a:p>
             <a:fld id="{4DD669B8-FCD8-4FFA-8E54-E01A2EB04F97}" type="slidenum">
               <a:rPr lang="en-US" smtClean="0"/>
+              <a:pPr/>
               <a:t>‹#›</a:t>
             </a:fld>
             <a:endParaRPr lang="en-US"/>
@@ -697,7 +703,8 @@
           <a:p>
             <a:fld id="{891E0010-B0D1-49E3-8435-10962E01AE18}" type="datetimeFigureOut">
               <a:rPr lang="en-US" smtClean="0"/>
-              <a:t>11/29/2018</a:t>
+              <a:pPr/>
+              <a:t>12/4/2018</a:t>
             </a:fld>
             <a:endParaRPr lang="en-US"/>
           </a:p>
@@ -739,6 +746,7 @@
           <a:p>
             <a:fld id="{4DD669B8-FCD8-4FFA-8E54-E01A2EB04F97}" type="slidenum">
               <a:rPr lang="en-US" smtClean="0"/>
+              <a:pPr/>
               <a:t>‹#›</a:t>
             </a:fld>
             <a:endParaRPr lang="en-US"/>
@@ -877,7 +885,8 @@
           <a:p>
             <a:fld id="{891E0010-B0D1-49E3-8435-10962E01AE18}" type="datetimeFigureOut">
               <a:rPr lang="en-US" smtClean="0"/>
-              <a:t>11/29/2018</a:t>
+              <a:pPr/>
+              <a:t>12/4/2018</a:t>
             </a:fld>
             <a:endParaRPr lang="en-US"/>
           </a:p>
@@ -924,6 +933,7 @@
           <a:p>
             <a:fld id="{4DD669B8-FCD8-4FFA-8E54-E01A2EB04F97}" type="slidenum">
               <a:rPr lang="en-US" smtClean="0"/>
+              <a:pPr/>
               <a:t>‹#›</a:t>
             </a:fld>
             <a:endParaRPr lang="en-US"/>
@@ -1124,7 +1134,8 @@
           <a:p>
             <a:fld id="{891E0010-B0D1-49E3-8435-10962E01AE18}" type="datetimeFigureOut">
               <a:rPr lang="en-US" smtClean="0"/>
-              <a:t>11/29/2018</a:t>
+              <a:pPr/>
+              <a:t>12/4/2018</a:t>
             </a:fld>
             <a:endParaRPr lang="en-US"/>
           </a:p>
@@ -1176,6 +1187,7 @@
           <a:p>
             <a:fld id="{4DD669B8-FCD8-4FFA-8E54-E01A2EB04F97}" type="slidenum">
               <a:rPr lang="en-US" smtClean="0"/>
+              <a:pPr/>
               <a:t>‹#›</a:t>
             </a:fld>
             <a:endParaRPr lang="en-US"/>
@@ -1598,7 +1610,8 @@
           <a:p>
             <a:fld id="{891E0010-B0D1-49E3-8435-10962E01AE18}" type="datetimeFigureOut">
               <a:rPr lang="en-US" smtClean="0"/>
-              <a:t>11/29/2018</a:t>
+              <a:pPr/>
+              <a:t>12/4/2018</a:t>
             </a:fld>
             <a:endParaRPr lang="en-US"/>
           </a:p>
@@ -1650,6 +1663,7 @@
           <a:p>
             <a:fld id="{4DD669B8-FCD8-4FFA-8E54-E01A2EB04F97}" type="slidenum">
               <a:rPr lang="en-US" smtClean="0"/>
+              <a:pPr/>
               <a:t>‹#›</a:t>
             </a:fld>
             <a:endParaRPr lang="en-US"/>
@@ -2013,7 +2027,8 @@
           <a:p>
             <a:fld id="{891E0010-B0D1-49E3-8435-10962E01AE18}" type="datetimeFigureOut">
               <a:rPr lang="en-US" smtClean="0"/>
-              <a:t>11/29/2018</a:t>
+              <a:pPr/>
+              <a:t>12/4/2018</a:t>
             </a:fld>
             <a:endParaRPr lang="en-US"/>
           </a:p>
@@ -2069,6 +2084,7 @@
           <a:p>
             <a:fld id="{4DD669B8-FCD8-4FFA-8E54-E01A2EB04F97}" type="slidenum">
               <a:rPr lang="en-US" smtClean="0"/>
+              <a:pPr/>
               <a:t>‹#›</a:t>
             </a:fld>
             <a:endParaRPr lang="en-US"/>
@@ -2144,7 +2160,8 @@
           <a:p>
             <a:fld id="{891E0010-B0D1-49E3-8435-10962E01AE18}" type="datetimeFigureOut">
               <a:rPr lang="en-US" smtClean="0"/>
-              <a:t>11/29/2018</a:t>
+              <a:pPr/>
+              <a:t>12/4/2018</a:t>
             </a:fld>
             <a:endParaRPr lang="en-US"/>
           </a:p>
@@ -2186,6 +2203,7 @@
           <a:p>
             <a:fld id="{4DD669B8-FCD8-4FFA-8E54-E01A2EB04F97}" type="slidenum">
               <a:rPr lang="en-US" smtClean="0"/>
+              <a:pPr/>
               <a:t>‹#›</a:t>
             </a:fld>
             <a:endParaRPr lang="en-US"/>
@@ -2239,7 +2257,8 @@
           <a:p>
             <a:fld id="{891E0010-B0D1-49E3-8435-10962E01AE18}" type="datetimeFigureOut">
               <a:rPr lang="en-US" smtClean="0"/>
-              <a:t>11/29/2018</a:t>
+              <a:pPr/>
+              <a:t>12/4/2018</a:t>
             </a:fld>
             <a:endParaRPr lang="en-US"/>
           </a:p>
@@ -2291,6 +2310,7 @@
           <a:p>
             <a:fld id="{4DD669B8-FCD8-4FFA-8E54-E01A2EB04F97}" type="slidenum">
               <a:rPr lang="en-US" smtClean="0"/>
+              <a:pPr/>
               <a:t>‹#›</a:t>
             </a:fld>
             <a:endParaRPr lang="en-US"/>
@@ -2517,7 +2537,8 @@
           <a:p>
             <a:fld id="{891E0010-B0D1-49E3-8435-10962E01AE18}" type="datetimeFigureOut">
               <a:rPr lang="en-US" smtClean="0"/>
-              <a:t>11/29/2018</a:t>
+              <a:pPr/>
+              <a:t>12/4/2018</a:t>
             </a:fld>
             <a:endParaRPr lang="en-US"/>
           </a:p>
@@ -2577,6 +2598,7 @@
           <a:p>
             <a:fld id="{4DD669B8-FCD8-4FFA-8E54-E01A2EB04F97}" type="slidenum">
               <a:rPr lang="en-US" smtClean="0"/>
+              <a:pPr/>
               <a:t>‹#›</a:t>
             </a:fld>
             <a:endParaRPr lang="en-US"/>
@@ -2769,7 +2791,8 @@
           <a:p>
             <a:fld id="{891E0010-B0D1-49E3-8435-10962E01AE18}" type="datetimeFigureOut">
               <a:rPr lang="en-US" smtClean="0"/>
-              <a:t>11/29/2018</a:t>
+              <a:pPr/>
+              <a:t>12/4/2018</a:t>
             </a:fld>
             <a:endParaRPr lang="en-US"/>
           </a:p>
@@ -2829,6 +2852,7 @@
           <a:p>
             <a:fld id="{4DD669B8-FCD8-4FFA-8E54-E01A2EB04F97}" type="slidenum">
               <a:rPr lang="en-US" smtClean="0"/>
+              <a:pPr/>
               <a:t>‹#›</a:t>
             </a:fld>
             <a:endParaRPr lang="en-US"/>
@@ -3141,7 +3165,8 @@
           <a:p>
             <a:fld id="{891E0010-B0D1-49E3-8435-10962E01AE18}" type="datetimeFigureOut">
               <a:rPr lang="en-US" smtClean="0"/>
-              <a:t>11/29/2018</a:t>
+              <a:pPr/>
+              <a:t>12/4/2018</a:t>
             </a:fld>
             <a:endParaRPr lang="en-US"/>
           </a:p>
@@ -3215,6 +3240,7 @@
           <a:p>
             <a:fld id="{4DD669B8-FCD8-4FFA-8E54-E01A2EB04F97}" type="slidenum">
               <a:rPr lang="en-US" smtClean="0"/>
+              <a:pPr/>
               <a:t>‹#›</a:t>
             </a:fld>
             <a:endParaRPr lang="en-US"/>
@@ -3600,15 +3626,23 @@
           <a:p>
             <a:r>
               <a:rPr lang="en-US" dirty="0" smtClean="0"/>
-              <a:t>By: Mercedes, </a:t>
-            </a:r>
+              <a:t>By: Mercedes Kent </a:t>
+            </a:r>
+          </a:p>
+          <a:p>
             <a:r>
               <a:rPr lang="en-US" dirty="0" err="1" smtClean="0"/>
               <a:t>Tejash</a:t>
             </a:r>
             <a:r>
               <a:rPr lang="en-US" dirty="0" smtClean="0"/>
-              <a:t>, Jesse</a:t>
+              <a:t> Patel </a:t>
+            </a:r>
+          </a:p>
+          <a:p>
+            <a:r>
+              <a:rPr lang="en-US" smtClean="0"/>
+              <a:t>Jessie Wilkins</a:t>
             </a:r>
             <a:endParaRPr lang="en-US" dirty="0"/>
           </a:p>
@@ -3695,6 +3729,202 @@
           </a:p>
         </p:txBody>
       </p:sp>
+      <p:pic>
+        <p:nvPicPr>
+          <p:cNvPr id="1026" name="Picture 2"/>
+          <p:cNvPicPr>
+            <a:picLocks noChangeAspect="1" noChangeArrowheads="1"/>
+          </p:cNvPicPr>
+          <p:nvPr/>
+        </p:nvPicPr>
+        <p:blipFill>
+          <a:blip r:embed="rId2" cstate="print"/>
+          <a:srcRect l="19912" t="21875" r="55491" b="11458"/>
+          <a:stretch>
+            <a:fillRect/>
+          </a:stretch>
+        </p:blipFill>
+        <p:spPr bwMode="auto">
+          <a:xfrm>
+            <a:off x="3581400" y="1143000"/>
+            <a:ext cx="3581400" cy="5457371"/>
+          </a:xfrm>
+          <a:prstGeom prst="rect">
+            <a:avLst/>
+          </a:prstGeom>
+          <a:noFill/>
+          <a:ln w="9525">
+            <a:noFill/>
+            <a:miter lim="800000"/>
+            <a:headEnd/>
+            <a:tailEnd/>
+          </a:ln>
+        </p:spPr>
+      </p:pic>
+    </p:spTree>
+  </p:cSld>
+  <p:clrMapOvr>
+    <a:masterClrMapping/>
+  </p:clrMapOvr>
+  <p:timing>
+    <p:tnLst>
+      <p:par>
+        <p:cTn id="1" dur="indefinite" restart="never" nodeType="tmRoot"/>
+      </p:par>
+    </p:tnLst>
+  </p:timing>
+</p:sld>
+</file>
+
+<file path=ppt/slides/slide11.xml><?xml version="1.0" encoding="utf-8"?>
+<p:sld xmlns:a="http://schemas.openxmlformats.org/drawingml/2006/main" xmlns:r="http://schemas.openxmlformats.org/officeDocument/2006/relationships" xmlns:p="http://schemas.openxmlformats.org/presentationml/2006/main">
+  <p:cSld>
+    <p:spTree>
+      <p:nvGrpSpPr>
+        <p:cNvPr id="1" name=""/>
+        <p:cNvGrpSpPr/>
+        <p:nvPr/>
+      </p:nvGrpSpPr>
+      <p:grpSpPr>
+        <a:xfrm>
+          <a:off x="0" y="0"/>
+          <a:ext cx="0" cy="0"/>
+          <a:chOff x="0" y="0"/>
+          <a:chExt cx="0" cy="0"/>
+        </a:xfrm>
+      </p:grpSpPr>
+      <p:sp>
+        <p:nvSpPr>
+          <p:cNvPr id="2" name="Title 1"/>
+          <p:cNvSpPr>
+            <a:spLocks noGrp="1"/>
+          </p:cNvSpPr>
+          <p:nvPr>
+            <p:ph type="title"/>
+          </p:nvPr>
+        </p:nvSpPr>
+        <p:spPr/>
+        <p:txBody>
+          <a:bodyPr/>
+          <a:lstStyle/>
+          <a:p>
+            <a:r>
+              <a:rPr lang="en-US" dirty="0" smtClean="0"/>
+              <a:t>Problems we faced</a:t>
+            </a:r>
+            <a:endParaRPr lang="en-US" dirty="0"/>
+          </a:p>
+        </p:txBody>
+      </p:sp>
+      <p:sp>
+        <p:nvSpPr>
+          <p:cNvPr id="3" name="Content Placeholder 2"/>
+          <p:cNvSpPr>
+            <a:spLocks noGrp="1"/>
+          </p:cNvSpPr>
+          <p:nvPr>
+            <p:ph idx="1"/>
+          </p:nvPr>
+        </p:nvSpPr>
+        <p:spPr/>
+        <p:txBody>
+          <a:bodyPr/>
+          <a:lstStyle/>
+          <a:p>
+            <a:r>
+              <a:rPr lang="en-US" dirty="0" smtClean="0"/>
+              <a:t>Communication problems</a:t>
+            </a:r>
+          </a:p>
+          <a:p>
+            <a:r>
+              <a:rPr lang="en-US" dirty="0" smtClean="0"/>
+              <a:t>Merging problems</a:t>
+            </a:r>
+          </a:p>
+          <a:p>
+            <a:r>
+              <a:rPr lang="en-US" dirty="0" smtClean="0"/>
+              <a:t>Database(</a:t>
+            </a:r>
+            <a:r>
+              <a:rPr lang="en-US" dirty="0" err="1" smtClean="0"/>
+              <a:t>Mysql</a:t>
+            </a:r>
+            <a:r>
+              <a:rPr lang="en-US" dirty="0" smtClean="0"/>
+              <a:t> did not work well with visual studios)</a:t>
+            </a:r>
+          </a:p>
+          <a:p>
+            <a:r>
+              <a:rPr lang="en-US" dirty="0" smtClean="0"/>
+              <a:t>Unfamiliarity with ASP.NET</a:t>
+            </a:r>
+          </a:p>
+          <a:p>
+            <a:endParaRPr lang="en-US" dirty="0" smtClean="0"/>
+          </a:p>
+          <a:p>
+            <a:endParaRPr lang="en-US" dirty="0"/>
+          </a:p>
+        </p:txBody>
+      </p:sp>
+    </p:spTree>
+  </p:cSld>
+  <p:clrMapOvr>
+    <a:masterClrMapping/>
+  </p:clrMapOvr>
+</p:sld>
+</file>
+
+<file path=ppt/slides/slide12.xml><?xml version="1.0" encoding="utf-8"?>
+<p:sld xmlns:a="http://schemas.openxmlformats.org/drawingml/2006/main" xmlns:r="http://schemas.openxmlformats.org/officeDocument/2006/relationships" xmlns:p="http://schemas.openxmlformats.org/presentationml/2006/main">
+  <p:cSld>
+    <p:spTree>
+      <p:nvGrpSpPr>
+        <p:cNvPr id="1" name=""/>
+        <p:cNvGrpSpPr/>
+        <p:nvPr/>
+      </p:nvGrpSpPr>
+      <p:grpSpPr>
+        <a:xfrm>
+          <a:off x="0" y="0"/>
+          <a:ext cx="0" cy="0"/>
+          <a:chOff x="0" y="0"/>
+          <a:chExt cx="0" cy="0"/>
+        </a:xfrm>
+      </p:grpSpPr>
+      <p:sp>
+        <p:nvSpPr>
+          <p:cNvPr id="2" name="Title 1"/>
+          <p:cNvSpPr>
+            <a:spLocks noGrp="1"/>
+          </p:cNvSpPr>
+          <p:nvPr>
+            <p:ph type="title"/>
+          </p:nvPr>
+        </p:nvSpPr>
+        <p:spPr>
+          <a:xfrm rot="21141624">
+            <a:off x="-65575" y="2403790"/>
+            <a:ext cx="9169675" cy="1399032"/>
+          </a:xfrm>
+        </p:spPr>
+        <p:txBody>
+          <a:bodyPr>
+            <a:noAutofit/>
+          </a:bodyPr>
+          <a:lstStyle/>
+          <a:p>
+            <a:r>
+              <a:rPr lang="en-US" sz="11000" dirty="0" smtClean="0"/>
+              <a:t>QUESTIONS?</a:t>
+            </a:r>
+            <a:endParaRPr lang="en-US" sz="11000" dirty="0"/>
+          </a:p>
+        </p:txBody>
+      </p:sp>
     </p:spTree>
   </p:cSld>
   <p:clrMapOvr>
@@ -4235,11 +4465,82 @@
           </a:p>
         </p:txBody>
       </p:sp>
+      <p:pic>
+        <p:nvPicPr>
+          <p:cNvPr id="3074" name="Picture 2"/>
+          <p:cNvPicPr>
+            <a:picLocks noChangeAspect="1" noChangeArrowheads="1"/>
+          </p:cNvPicPr>
+          <p:nvPr/>
+        </p:nvPicPr>
+        <p:blipFill>
+          <a:blip r:embed="rId2" cstate="print"/>
+          <a:srcRect l="25769" t="19792" r="50219" b="23958"/>
+          <a:stretch>
+            <a:fillRect/>
+          </a:stretch>
+        </p:blipFill>
+        <p:spPr bwMode="auto">
+          <a:xfrm>
+            <a:off x="228600" y="1808356"/>
+            <a:ext cx="3429000" cy="4516244"/>
+          </a:xfrm>
+          <a:prstGeom prst="rect">
+            <a:avLst/>
+          </a:prstGeom>
+          <a:noFill/>
+          <a:ln w="9525">
+            <a:noFill/>
+            <a:miter lim="800000"/>
+            <a:headEnd/>
+            <a:tailEnd/>
+          </a:ln>
+        </p:spPr>
+      </p:pic>
+      <p:pic>
+        <p:nvPicPr>
+          <p:cNvPr id="6" name="Picture 3"/>
+          <p:cNvPicPr>
+            <a:picLocks noChangeAspect="1" noChangeArrowheads="1"/>
+          </p:cNvPicPr>
+          <p:nvPr/>
+        </p:nvPicPr>
+        <p:blipFill>
+          <a:blip r:embed="rId3" cstate="print"/>
+          <a:srcRect l="26574" t="20000" r="31259" b="10000"/>
+          <a:stretch>
+            <a:fillRect/>
+          </a:stretch>
+        </p:blipFill>
+        <p:spPr bwMode="auto">
+          <a:xfrm>
+            <a:off x="3962400" y="1981200"/>
+            <a:ext cx="5094514" cy="4754880"/>
+          </a:xfrm>
+          <a:prstGeom prst="rect">
+            <a:avLst/>
+          </a:prstGeom>
+          <a:noFill/>
+          <a:ln w="9525">
+            <a:noFill/>
+            <a:miter lim="800000"/>
+            <a:headEnd/>
+            <a:tailEnd/>
+          </a:ln>
+        </p:spPr>
+      </p:pic>
     </p:spTree>
   </p:cSld>
   <p:clrMapOvr>
     <a:masterClrMapping/>
   </p:clrMapOvr>
+  <p:timing>
+    <p:tnLst>
+      <p:par>
+        <p:cTn id="1" dur="indefinite" restart="never" nodeType="tmRoot"/>
+      </p:par>
+    </p:tnLst>
+  </p:timing>
 </p:sld>
 </file>
 
@@ -4272,7 +4573,7 @@
         </p:nvSpPr>
         <p:spPr>
           <a:xfrm>
-            <a:off x="457200" y="152400"/>
+            <a:off x="457200" y="-228600"/>
             <a:ext cx="8229600" cy="1399032"/>
           </a:xfrm>
         </p:spPr>
@@ -4300,27 +4601,134 @@
         </p:nvSpPr>
         <p:spPr>
           <a:xfrm>
-            <a:off x="381000" y="1295400"/>
+            <a:off x="381000" y="533400"/>
             <a:ext cx="8229600" cy="4572000"/>
           </a:xfrm>
         </p:spPr>
         <p:txBody>
-          <a:bodyPr/>
-          <a:lstStyle/>
-          <a:p>
+          <a:bodyPr>
+            <a:normAutofit/>
+          </a:bodyPr>
+          <a:lstStyle/>
+          <a:p>
+            <a:pPr>
+              <a:lnSpc>
+                <a:spcPct val="200000"/>
+              </a:lnSpc>
+            </a:pPr>
             <a:r>
               <a:rPr lang="en-US" dirty="0" smtClean="0"/>
-              <a:t>Sequence			State</a:t>
+              <a:t>Sequence			</a:t>
+            </a:r>
+            <a:endParaRPr lang="en-US" dirty="0" smtClean="0"/>
+          </a:p>
+          <a:p>
+            <a:pPr>
+              <a:lnSpc>
+                <a:spcPct val="200000"/>
+              </a:lnSpc>
+            </a:pPr>
+            <a:endParaRPr lang="en-US" dirty="0" smtClean="0"/>
+          </a:p>
+          <a:p>
+            <a:pPr>
+              <a:lnSpc>
+                <a:spcPct val="200000"/>
+              </a:lnSpc>
+              <a:buNone/>
+            </a:pPr>
+            <a:endParaRPr lang="en-US" dirty="0" smtClean="0"/>
+          </a:p>
+          <a:p>
+            <a:pPr>
+              <a:lnSpc>
+                <a:spcPct val="200000"/>
+              </a:lnSpc>
+            </a:pPr>
+            <a:r>
+              <a:rPr lang="en-US" dirty="0" smtClean="0"/>
+              <a:t>State</a:t>
             </a:r>
             <a:endParaRPr lang="en-US" dirty="0"/>
           </a:p>
         </p:txBody>
       </p:sp>
+      <p:pic>
+        <p:nvPicPr>
+          <p:cNvPr id="2050" name="Picture 2"/>
+          <p:cNvPicPr>
+            <a:picLocks noChangeAspect="1" noChangeArrowheads="1"/>
+          </p:cNvPicPr>
+          <p:nvPr/>
+        </p:nvPicPr>
+        <p:blipFill>
+          <a:blip r:embed="rId2" cstate="print"/>
+          <a:srcRect l="27526" t="22917" r="33821" b="52083"/>
+          <a:stretch>
+            <a:fillRect/>
+          </a:stretch>
+        </p:blipFill>
+        <p:spPr bwMode="auto">
+          <a:xfrm>
+            <a:off x="762000" y="1323109"/>
+            <a:ext cx="6400800" cy="2327564"/>
+          </a:xfrm>
+          <a:prstGeom prst="rect">
+            <a:avLst/>
+          </a:prstGeom>
+          <a:noFill/>
+          <a:ln w="9525">
+            <a:noFill/>
+            <a:miter lim="800000"/>
+            <a:headEnd/>
+            <a:tailEnd/>
+          </a:ln>
+        </p:spPr>
+      </p:pic>
+      <p:pic>
+        <p:nvPicPr>
+          <p:cNvPr id="2052" name="Picture 4"/>
+          <p:cNvPicPr>
+            <a:picLocks noChangeAspect="1" noChangeArrowheads="1"/>
+          </p:cNvPicPr>
+          <p:nvPr/>
+        </p:nvPicPr>
+        <p:blipFill>
+          <a:blip r:embed="rId3" cstate="print"/>
+          <a:srcRect l="25403" t="32292" r="26574" b="35416"/>
+          <a:stretch>
+            <a:fillRect/>
+          </a:stretch>
+        </p:blipFill>
+        <p:spPr bwMode="auto">
+          <a:xfrm>
+            <a:off x="990599" y="4343400"/>
+            <a:ext cx="6449961" cy="2438400"/>
+          </a:xfrm>
+          <a:prstGeom prst="rect">
+            <a:avLst/>
+          </a:prstGeom>
+          <a:noFill/>
+          <a:ln w="9525">
+            <a:noFill/>
+            <a:miter lim="800000"/>
+            <a:headEnd/>
+            <a:tailEnd/>
+          </a:ln>
+        </p:spPr>
+      </p:pic>
     </p:spTree>
   </p:cSld>
   <p:clrMapOvr>
     <a:masterClrMapping/>
   </p:clrMapOvr>
+  <p:timing>
+    <p:tnLst>
+      <p:par>
+        <p:cTn id="1" dur="indefinite" restart="never" nodeType="tmRoot"/>
+      </p:par>
+    </p:tnLst>
+  </p:timing>
 </p:sld>
 </file>
 

--- a/ProjectPPT.pptx
+++ b/ProjectPPT.pptx
@@ -9,9 +9,9 @@
     <p:sldId id="257" r:id="rId3"/>
     <p:sldId id="258" r:id="rId4"/>
     <p:sldId id="259" r:id="rId5"/>
-    <p:sldId id="260" r:id="rId6"/>
-    <p:sldId id="261" r:id="rId7"/>
-    <p:sldId id="262" r:id="rId8"/>
+    <p:sldId id="261" r:id="rId6"/>
+    <p:sldId id="262" r:id="rId7"/>
+    <p:sldId id="260" r:id="rId8"/>
     <p:sldId id="263" r:id="rId9"/>
     <p:sldId id="264" r:id="rId10"/>
     <p:sldId id="265" r:id="rId11"/>
@@ -4225,31 +4225,46 @@
           <a:p>
             <a:r>
               <a:rPr lang="en-US" dirty="0" smtClean="0"/>
-              <a:t>Web Application</a:t>
+              <a:t>Sign-up Page</a:t>
             </a:r>
             <a:endParaRPr lang="en-US" dirty="0"/>
           </a:p>
         </p:txBody>
       </p:sp>
-      <p:sp>
-        <p:nvSpPr>
-          <p:cNvPr id="3" name="Content Placeholder 2"/>
-          <p:cNvSpPr>
-            <a:spLocks noGrp="1"/>
-          </p:cNvSpPr>
+      <p:pic>
+        <p:nvPicPr>
+          <p:cNvPr id="1027" name="Picture 3"/>
+          <p:cNvPicPr>
+            <a:picLocks noGrp="1" noChangeAspect="1" noChangeArrowheads="1"/>
+          </p:cNvPicPr>
           <p:nvPr>
             <p:ph idx="1"/>
           </p:nvPr>
-        </p:nvSpPr>
-        <p:spPr/>
-        <p:txBody>
-          <a:bodyPr/>
-          <a:lstStyle/>
-          <a:p>
-            <a:endParaRPr lang="en-US" dirty="0"/>
-          </a:p>
-        </p:txBody>
-      </p:sp>
+        </p:nvPicPr>
+        <p:blipFill>
+          <a:blip r:embed="rId2" cstate="print"/>
+          <a:srcRect/>
+          <a:stretch>
+            <a:fillRect/>
+          </a:stretch>
+        </p:blipFill>
+        <p:spPr bwMode="auto">
+          <a:xfrm>
+            <a:off x="1295400" y="1676400"/>
+            <a:ext cx="6705599" cy="4587875"/>
+          </a:xfrm>
+          <a:prstGeom prst="rect">
+            <a:avLst/>
+          </a:prstGeom>
+          <a:noFill/>
+          <a:ln w="9525">
+            <a:noFill/>
+            <a:miter lim="800000"/>
+            <a:headEnd/>
+            <a:tailEnd/>
+          </a:ln>
+        </p:spPr>
+      </p:pic>
     </p:spTree>
   </p:cSld>
   <p:clrMapOvr>
@@ -4292,31 +4307,46 @@
           <a:p>
             <a:r>
               <a:rPr lang="en-US" dirty="0" smtClean="0"/>
-              <a:t>Sign-up Page</a:t>
+              <a:t>Login Page</a:t>
             </a:r>
             <a:endParaRPr lang="en-US" dirty="0"/>
           </a:p>
         </p:txBody>
       </p:sp>
-      <p:sp>
-        <p:nvSpPr>
-          <p:cNvPr id="3" name="Content Placeholder 2"/>
-          <p:cNvSpPr>
-            <a:spLocks noGrp="1"/>
-          </p:cNvSpPr>
+      <p:pic>
+        <p:nvPicPr>
+          <p:cNvPr id="2050" name="Picture 2"/>
+          <p:cNvPicPr>
+            <a:picLocks noGrp="1" noChangeAspect="1" noChangeArrowheads="1"/>
+          </p:cNvPicPr>
           <p:nvPr>
             <p:ph idx="1"/>
           </p:nvPr>
-        </p:nvSpPr>
-        <p:spPr/>
-        <p:txBody>
-          <a:bodyPr/>
-          <a:lstStyle/>
-          <a:p>
-            <a:endParaRPr lang="en-US" dirty="0"/>
-          </a:p>
-        </p:txBody>
-      </p:sp>
+        </p:nvPicPr>
+        <p:blipFill>
+          <a:blip r:embed="rId2" cstate="print"/>
+          <a:srcRect/>
+          <a:stretch>
+            <a:fillRect/>
+          </a:stretch>
+        </p:blipFill>
+        <p:spPr bwMode="auto">
+          <a:xfrm>
+            <a:off x="1371600" y="2057400"/>
+            <a:ext cx="6705600" cy="3590925"/>
+          </a:xfrm>
+          <a:prstGeom prst="rect">
+            <a:avLst/>
+          </a:prstGeom>
+          <a:noFill/>
+          <a:ln w="9525">
+            <a:noFill/>
+            <a:miter lim="800000"/>
+            <a:headEnd/>
+            <a:tailEnd/>
+          </a:ln>
+        </p:spPr>
+      </p:pic>
     </p:spTree>
   </p:cSld>
   <p:clrMapOvr>
@@ -4359,31 +4389,46 @@
           <a:p>
             <a:r>
               <a:rPr lang="en-US" dirty="0" smtClean="0"/>
-              <a:t>Login Page</a:t>
+              <a:t>Web Application</a:t>
             </a:r>
             <a:endParaRPr lang="en-US" dirty="0"/>
           </a:p>
         </p:txBody>
       </p:sp>
-      <p:sp>
-        <p:nvSpPr>
-          <p:cNvPr id="3" name="Content Placeholder 2"/>
-          <p:cNvSpPr>
-            <a:spLocks noGrp="1"/>
-          </p:cNvSpPr>
+      <p:pic>
+        <p:nvPicPr>
+          <p:cNvPr id="3074" name="Picture 2"/>
+          <p:cNvPicPr>
+            <a:picLocks noGrp="1" noChangeAspect="1" noChangeArrowheads="1"/>
+          </p:cNvPicPr>
           <p:nvPr>
             <p:ph idx="1"/>
           </p:nvPr>
-        </p:nvSpPr>
-        <p:spPr/>
-        <p:txBody>
-          <a:bodyPr/>
-          <a:lstStyle/>
-          <a:p>
-            <a:endParaRPr lang="en-US"/>
-          </a:p>
-        </p:txBody>
-      </p:sp>
+        </p:nvPicPr>
+        <p:blipFill>
+          <a:blip r:embed="rId2" cstate="print"/>
+          <a:srcRect/>
+          <a:stretch>
+            <a:fillRect/>
+          </a:stretch>
+        </p:blipFill>
+        <p:spPr bwMode="auto">
+          <a:xfrm>
+            <a:off x="457200" y="2218508"/>
+            <a:ext cx="8229600" cy="3900533"/>
+          </a:xfrm>
+          <a:prstGeom prst="rect">
+            <a:avLst/>
+          </a:prstGeom>
+          <a:noFill/>
+          <a:ln w="9525">
+            <a:noFill/>
+            <a:miter lim="800000"/>
+            <a:headEnd/>
+            <a:tailEnd/>
+          </a:ln>
+        </p:spPr>
+      </p:pic>
     </p:spTree>
   </p:cSld>
   <p:clrMapOvr>
@@ -4620,7 +4665,6 @@
               <a:rPr lang="en-US" dirty="0" smtClean="0"/>
               <a:t>Sequence			</a:t>
             </a:r>
-            <a:endParaRPr lang="en-US" dirty="0" smtClean="0"/>
           </a:p>
           <a:p>
             <a:pPr>

--- a/ProjectPPT.pptx
+++ b/ProjectPPT.pptx
@@ -7,16 +7,17 @@
   <p:sldIdLst>
     <p:sldId id="256" r:id="rId2"/>
     <p:sldId id="257" r:id="rId3"/>
-    <p:sldId id="258" r:id="rId4"/>
-    <p:sldId id="259" r:id="rId5"/>
-    <p:sldId id="261" r:id="rId6"/>
-    <p:sldId id="262" r:id="rId7"/>
-    <p:sldId id="260" r:id="rId8"/>
-    <p:sldId id="263" r:id="rId9"/>
-    <p:sldId id="264" r:id="rId10"/>
-    <p:sldId id="265" r:id="rId11"/>
-    <p:sldId id="266" r:id="rId12"/>
-    <p:sldId id="267" r:id="rId13"/>
+    <p:sldId id="268" r:id="rId4"/>
+    <p:sldId id="258" r:id="rId5"/>
+    <p:sldId id="259" r:id="rId6"/>
+    <p:sldId id="261" r:id="rId7"/>
+    <p:sldId id="262" r:id="rId8"/>
+    <p:sldId id="260" r:id="rId9"/>
+    <p:sldId id="263" r:id="rId10"/>
+    <p:sldId id="264" r:id="rId11"/>
+    <p:sldId id="265" r:id="rId12"/>
+    <p:sldId id="266" r:id="rId13"/>
+    <p:sldId id="267" r:id="rId14"/>
   </p:sldIdLst>
   <p:sldSz cx="9144000" cy="6858000" type="screen4x3"/>
   <p:notesSz cx="6858000" cy="9144000"/>
@@ -3685,7 +3686,7 @@
         </p:nvSpPr>
         <p:spPr>
           <a:xfrm>
-            <a:off x="381000" y="0"/>
+            <a:off x="457200" y="-228600"/>
             <a:ext cx="8229600" cy="1399032"/>
           </a:xfrm>
         </p:spPr>
@@ -3713,17 +3714,52 @@
         </p:nvSpPr>
         <p:spPr>
           <a:xfrm>
-            <a:off x="457200" y="1143000"/>
+            <a:off x="381000" y="533400"/>
             <a:ext cx="8229600" cy="4572000"/>
           </a:xfrm>
         </p:spPr>
         <p:txBody>
-          <a:bodyPr/>
-          <a:lstStyle/>
-          <a:p>
+          <a:bodyPr>
+            <a:normAutofit/>
+          </a:bodyPr>
+          <a:lstStyle/>
+          <a:p>
+            <a:pPr>
+              <a:lnSpc>
+                <a:spcPct val="200000"/>
+              </a:lnSpc>
+            </a:pPr>
             <a:r>
               <a:rPr lang="en-US" dirty="0" smtClean="0"/>
-              <a:t>Class </a:t>
+              <a:t>Sequence			</a:t>
+            </a:r>
+          </a:p>
+          <a:p>
+            <a:pPr>
+              <a:lnSpc>
+                <a:spcPct val="200000"/>
+              </a:lnSpc>
+            </a:pPr>
+            <a:endParaRPr lang="en-US" dirty="0" smtClean="0"/>
+          </a:p>
+          <a:p>
+            <a:pPr>
+              <a:lnSpc>
+                <a:spcPct val="200000"/>
+              </a:lnSpc>
+              <a:buNone/>
+            </a:pPr>
+            <a:endParaRPr lang="en-US" dirty="0" smtClean="0"/>
+          </a:p>
+          <a:p>
+            <a:pPr>
+              <a:lnSpc>
+                <a:spcPct val="200000"/>
+              </a:lnSpc>
+            </a:pPr>
+            <a:r>
+              <a:rPr lang="en-US" dirty="0" smtClean="0"/>
+              <a:t>State</a:t>
             </a:r>
             <a:endParaRPr lang="en-US" dirty="0"/>
           </a:p>
@@ -3731,7 +3767,7 @@
       </p:sp>
       <p:pic>
         <p:nvPicPr>
-          <p:cNvPr id="1026" name="Picture 2"/>
+          <p:cNvPr id="2050" name="Picture 2"/>
           <p:cNvPicPr>
             <a:picLocks noChangeAspect="1" noChangeArrowheads="1"/>
           </p:cNvPicPr>
@@ -3739,15 +3775,47 @@
         </p:nvPicPr>
         <p:blipFill>
           <a:blip r:embed="rId2" cstate="print"/>
-          <a:srcRect l="19912" t="21875" r="55491" b="11458"/>
+          <a:srcRect l="27526" t="22917" r="33821" b="52083"/>
           <a:stretch>
             <a:fillRect/>
           </a:stretch>
         </p:blipFill>
         <p:spPr bwMode="auto">
           <a:xfrm>
-            <a:off x="3581400" y="1143000"/>
-            <a:ext cx="3581400" cy="5457371"/>
+            <a:off x="762000" y="1323109"/>
+            <a:ext cx="6400800" cy="2327564"/>
+          </a:xfrm>
+          <a:prstGeom prst="rect">
+            <a:avLst/>
+          </a:prstGeom>
+          <a:noFill/>
+          <a:ln w="9525">
+            <a:noFill/>
+            <a:miter lim="800000"/>
+            <a:headEnd/>
+            <a:tailEnd/>
+          </a:ln>
+        </p:spPr>
+      </p:pic>
+      <p:pic>
+        <p:nvPicPr>
+          <p:cNvPr id="2052" name="Picture 4"/>
+          <p:cNvPicPr>
+            <a:picLocks noChangeAspect="1" noChangeArrowheads="1"/>
+          </p:cNvPicPr>
+          <p:nvPr/>
+        </p:nvPicPr>
+        <p:blipFill>
+          <a:blip r:embed="rId3" cstate="print"/>
+          <a:srcRect l="25403" t="32292" r="26574" b="35416"/>
+          <a:stretch>
+            <a:fillRect/>
+          </a:stretch>
+        </p:blipFill>
+        <p:spPr bwMode="auto">
+          <a:xfrm>
+            <a:off x="990599" y="4343400"/>
+            <a:ext cx="6449961" cy="2438400"/>
           </a:xfrm>
           <a:prstGeom prst="rect">
             <a:avLst/>
@@ -3803,6 +3871,126 @@
             <p:ph type="title"/>
           </p:nvPr>
         </p:nvSpPr>
+        <p:spPr>
+          <a:xfrm>
+            <a:off x="381000" y="0"/>
+            <a:ext cx="8229600" cy="1399032"/>
+          </a:xfrm>
+        </p:spPr>
+        <p:txBody>
+          <a:bodyPr/>
+          <a:lstStyle/>
+          <a:p>
+            <a:r>
+              <a:rPr lang="en-US" dirty="0" smtClean="0"/>
+              <a:t>Diagrams</a:t>
+            </a:r>
+            <a:endParaRPr lang="en-US" dirty="0"/>
+          </a:p>
+        </p:txBody>
+      </p:sp>
+      <p:sp>
+        <p:nvSpPr>
+          <p:cNvPr id="3" name="Content Placeholder 2"/>
+          <p:cNvSpPr>
+            <a:spLocks noGrp="1"/>
+          </p:cNvSpPr>
+          <p:nvPr>
+            <p:ph idx="1"/>
+          </p:nvPr>
+        </p:nvSpPr>
+        <p:spPr>
+          <a:xfrm>
+            <a:off x="457200" y="1143000"/>
+            <a:ext cx="8229600" cy="4572000"/>
+          </a:xfrm>
+        </p:spPr>
+        <p:txBody>
+          <a:bodyPr/>
+          <a:lstStyle/>
+          <a:p>
+            <a:r>
+              <a:rPr lang="en-US" dirty="0" smtClean="0"/>
+              <a:t>Class </a:t>
+            </a:r>
+            <a:endParaRPr lang="en-US" dirty="0"/>
+          </a:p>
+        </p:txBody>
+      </p:sp>
+      <p:pic>
+        <p:nvPicPr>
+          <p:cNvPr id="1026" name="Picture 2"/>
+          <p:cNvPicPr>
+            <a:picLocks noChangeAspect="1" noChangeArrowheads="1"/>
+          </p:cNvPicPr>
+          <p:nvPr/>
+        </p:nvPicPr>
+        <p:blipFill>
+          <a:blip r:embed="rId2" cstate="print"/>
+          <a:srcRect l="19912" t="21875" r="55491" b="11458"/>
+          <a:stretch>
+            <a:fillRect/>
+          </a:stretch>
+        </p:blipFill>
+        <p:spPr bwMode="auto">
+          <a:xfrm>
+            <a:off x="3581400" y="1143000"/>
+            <a:ext cx="3581400" cy="5457371"/>
+          </a:xfrm>
+          <a:prstGeom prst="rect">
+            <a:avLst/>
+          </a:prstGeom>
+          <a:noFill/>
+          <a:ln w="9525">
+            <a:noFill/>
+            <a:miter lim="800000"/>
+            <a:headEnd/>
+            <a:tailEnd/>
+          </a:ln>
+        </p:spPr>
+      </p:pic>
+    </p:spTree>
+  </p:cSld>
+  <p:clrMapOvr>
+    <a:masterClrMapping/>
+  </p:clrMapOvr>
+  <p:timing>
+    <p:tnLst>
+      <p:par>
+        <p:cTn id="1" dur="indefinite" restart="never" nodeType="tmRoot"/>
+      </p:par>
+    </p:tnLst>
+  </p:timing>
+</p:sld>
+</file>
+
+<file path=ppt/slides/slide12.xml><?xml version="1.0" encoding="utf-8"?>
+<p:sld xmlns:a="http://schemas.openxmlformats.org/drawingml/2006/main" xmlns:r="http://schemas.openxmlformats.org/officeDocument/2006/relationships" xmlns:p="http://schemas.openxmlformats.org/presentationml/2006/main">
+  <p:cSld>
+    <p:spTree>
+      <p:nvGrpSpPr>
+        <p:cNvPr id="1" name=""/>
+        <p:cNvGrpSpPr/>
+        <p:nvPr/>
+      </p:nvGrpSpPr>
+      <p:grpSpPr>
+        <a:xfrm>
+          <a:off x="0" y="0"/>
+          <a:ext cx="0" cy="0"/>
+          <a:chOff x="0" y="0"/>
+          <a:chExt cx="0" cy="0"/>
+        </a:xfrm>
+      </p:grpSpPr>
+      <p:sp>
+        <p:nvSpPr>
+          <p:cNvPr id="2" name="Title 1"/>
+          <p:cNvSpPr>
+            <a:spLocks noGrp="1"/>
+          </p:cNvSpPr>
+          <p:nvPr>
+            <p:ph type="title"/>
+          </p:nvPr>
+        </p:nvSpPr>
         <p:spPr/>
         <p:txBody>
           <a:bodyPr/>
@@ -3878,7 +4066,7 @@
 </p:sld>
 </file>
 
-<file path=ppt/slides/slide12.xml><?xml version="1.0" encoding="utf-8"?>
+<file path=ppt/slides/slide13.xml><?xml version="1.0" encoding="utf-8"?>
 <p:sld xmlns:a="http://schemas.openxmlformats.org/drawingml/2006/main" xmlns:r="http://schemas.openxmlformats.org/officeDocument/2006/relationships" xmlns:p="http://schemas.openxmlformats.org/presentationml/2006/main">
   <p:cSld>
     <p:spTree>
@@ -4052,7 +4240,7 @@
           <a:p>
             <a:r>
               <a:rPr lang="en-US" dirty="0" smtClean="0"/>
-              <a:t>Database</a:t>
+              <a:t>Requirements</a:t>
             </a:r>
             <a:endParaRPr lang="en-US" dirty="0"/>
           </a:p>
@@ -4068,35 +4256,114 @@
             <p:ph idx="1"/>
           </p:nvPr>
         </p:nvSpPr>
-        <p:spPr>
-          <a:xfrm>
-            <a:off x="381000" y="1295400"/>
-            <a:ext cx="8183880" cy="4187952"/>
-          </a:xfrm>
-        </p:spPr>
-        <p:txBody>
-          <a:bodyPr/>
-          <a:lstStyle/>
-          <a:p>
+        <p:spPr/>
+        <p:txBody>
+          <a:bodyPr>
+            <a:normAutofit fontScale="92500"/>
+          </a:bodyPr>
+          <a:lstStyle/>
+          <a:p>
+            <a:pPr>
+              <a:buNone/>
+            </a:pPr>
             <a:r>
               <a:rPr lang="en-US" dirty="0" smtClean="0"/>
-              <a:t>We started by using </a:t>
-            </a:r>
-            <a:r>
-              <a:rPr lang="en-US" dirty="0" err="1" smtClean="0"/>
-              <a:t>MySql</a:t>
+              <a:t>The project should allow a user </a:t>
             </a:r>
             <a:r>
               <a:rPr lang="en-US" dirty="0" smtClean="0"/>
-              <a:t> but did not work well with Visual Studios</a:t>
+              <a:t>to:</a:t>
             </a:r>
           </a:p>
           <a:p>
             <a:r>
               <a:rPr lang="en-US" dirty="0" smtClean="0"/>
-              <a:t>Switched to Microsoft Database</a:t>
-            </a:r>
-            <a:endParaRPr lang="en-US" dirty="0"/>
+              <a:t>setup </a:t>
+            </a:r>
+            <a:r>
+              <a:rPr lang="en-US" smtClean="0"/>
+              <a:t>an </a:t>
+            </a:r>
+            <a:r>
+              <a:rPr lang="en-US" smtClean="0"/>
+              <a:t>account</a:t>
+            </a:r>
+          </a:p>
+          <a:p>
+            <a:r>
+              <a:rPr lang="en-US" dirty="0" smtClean="0"/>
+              <a:t>log </a:t>
+            </a:r>
+            <a:r>
+              <a:rPr lang="en-US" dirty="0" smtClean="0"/>
+              <a:t>in to the </a:t>
+            </a:r>
+            <a:r>
+              <a:rPr lang="en-US" dirty="0" smtClean="0"/>
+              <a:t>webpage </a:t>
+            </a:r>
+          </a:p>
+          <a:p>
+            <a:r>
+              <a:rPr lang="en-US" dirty="0" smtClean="0"/>
+              <a:t>place </a:t>
+            </a:r>
+            <a:r>
+              <a:rPr lang="en-US" dirty="0" smtClean="0"/>
+              <a:t>an </a:t>
+            </a:r>
+            <a:r>
+              <a:rPr lang="en-US" dirty="0" smtClean="0"/>
+              <a:t>order</a:t>
+            </a:r>
+          </a:p>
+          <a:p>
+            <a:r>
+              <a:rPr lang="en-US" dirty="0" smtClean="0"/>
+              <a:t>choose </a:t>
+            </a:r>
+            <a:r>
+              <a:rPr lang="en-US" dirty="0" smtClean="0"/>
+              <a:t>what customization they would </a:t>
+            </a:r>
+            <a:r>
+              <a:rPr lang="en-US" dirty="0" smtClean="0"/>
+              <a:t>like </a:t>
+            </a:r>
+          </a:p>
+          <a:p>
+            <a:r>
+              <a:rPr lang="en-US" dirty="0" smtClean="0"/>
+              <a:t>check out</a:t>
+            </a:r>
+          </a:p>
+          <a:p>
+            <a:r>
+              <a:rPr lang="en-US" dirty="0" smtClean="0"/>
+              <a:t>give </a:t>
+            </a:r>
+            <a:r>
+              <a:rPr lang="en-US" dirty="0" smtClean="0"/>
+              <a:t>them a time frame on when their order will be </a:t>
+            </a:r>
+            <a:r>
+              <a:rPr lang="en-US" dirty="0" smtClean="0"/>
+              <a:t>done</a:t>
+            </a:r>
+          </a:p>
+          <a:p>
+            <a:r>
+              <a:rPr lang="en-US" dirty="0" smtClean="0"/>
+              <a:t>review </a:t>
+            </a:r>
+            <a:r>
+              <a:rPr lang="en-US" dirty="0" smtClean="0"/>
+              <a:t>their </a:t>
+            </a:r>
+            <a:r>
+              <a:rPr lang="en-US" dirty="0" smtClean="0"/>
+              <a:t>order </a:t>
+            </a:r>
           </a:p>
         </p:txBody>
       </p:sp>
@@ -4142,7 +4409,7 @@
           <a:p>
             <a:r>
               <a:rPr lang="en-US" dirty="0" smtClean="0"/>
-              <a:t>C#	</a:t>
+              <a:t>Database</a:t>
             </a:r>
             <a:endParaRPr lang="en-US" dirty="0"/>
           </a:p>
@@ -4158,26 +4425,33 @@
             <p:ph idx="1"/>
           </p:nvPr>
         </p:nvSpPr>
-        <p:spPr/>
+        <p:spPr>
+          <a:xfrm>
+            <a:off x="381000" y="1295400"/>
+            <a:ext cx="8183880" cy="4187952"/>
+          </a:xfrm>
+        </p:spPr>
         <p:txBody>
           <a:bodyPr/>
           <a:lstStyle/>
           <a:p>
             <a:r>
               <a:rPr lang="en-US" dirty="0" smtClean="0"/>
-              <a:t>Used Visual Studios IDE </a:t>
-            </a:r>
-          </a:p>
-          <a:p>
+              <a:t>We started by using </a:t>
+            </a:r>
+            <a:r>
+              <a:rPr lang="en-US" dirty="0" err="1" smtClean="0"/>
+              <a:t>MySql</a:t>
+            </a:r>
             <a:r>
               <a:rPr lang="en-US" dirty="0" smtClean="0"/>
-              <a:t>We choose C# because</a:t>
+              <a:t> but did not work well with Visual Studios</a:t>
             </a:r>
           </a:p>
           <a:p>
             <a:r>
               <a:rPr lang="en-US" dirty="0" smtClean="0"/>
-              <a:t>Used it to create our web application</a:t>
+              <a:t>Switched to Microsoft Database</a:t>
             </a:r>
             <a:endParaRPr lang="en-US" dirty="0"/>
           </a:p>
@@ -4225,46 +4499,57 @@
           <a:p>
             <a:r>
               <a:rPr lang="en-US" dirty="0" smtClean="0"/>
-              <a:t>Sign-up Page</a:t>
+              <a:t>C#	</a:t>
             </a:r>
             <a:endParaRPr lang="en-US" dirty="0"/>
           </a:p>
         </p:txBody>
       </p:sp>
-      <p:pic>
-        <p:nvPicPr>
-          <p:cNvPr id="1027" name="Picture 3"/>
-          <p:cNvPicPr>
-            <a:picLocks noGrp="1" noChangeAspect="1" noChangeArrowheads="1"/>
-          </p:cNvPicPr>
+      <p:sp>
+        <p:nvSpPr>
+          <p:cNvPr id="3" name="Content Placeholder 2"/>
+          <p:cNvSpPr>
+            <a:spLocks noGrp="1"/>
+          </p:cNvSpPr>
           <p:nvPr>
             <p:ph idx="1"/>
           </p:nvPr>
-        </p:nvPicPr>
-        <p:blipFill>
-          <a:blip r:embed="rId2" cstate="print"/>
-          <a:srcRect/>
-          <a:stretch>
-            <a:fillRect/>
-          </a:stretch>
-        </p:blipFill>
-        <p:spPr bwMode="auto">
-          <a:xfrm>
-            <a:off x="1295400" y="1676400"/>
-            <a:ext cx="6705599" cy="4587875"/>
-          </a:xfrm>
-          <a:prstGeom prst="rect">
-            <a:avLst/>
-          </a:prstGeom>
-          <a:noFill/>
-          <a:ln w="9525">
-            <a:noFill/>
-            <a:miter lim="800000"/>
-            <a:headEnd/>
-            <a:tailEnd/>
-          </a:ln>
-        </p:spPr>
-      </p:pic>
+        </p:nvSpPr>
+        <p:spPr/>
+        <p:txBody>
+          <a:bodyPr/>
+          <a:lstStyle/>
+          <a:p>
+            <a:r>
+              <a:rPr lang="en-US" dirty="0" smtClean="0"/>
+              <a:t>Used Visual Studios IDE </a:t>
+            </a:r>
+          </a:p>
+          <a:p>
+            <a:r>
+              <a:rPr lang="en-US" dirty="0" smtClean="0"/>
+              <a:t>We choose C# because</a:t>
+            </a:r>
+          </a:p>
+          <a:p>
+            <a:r>
+              <a:rPr lang="en-US" dirty="0" smtClean="0"/>
+              <a:t>Used it to create our web </a:t>
+            </a:r>
+            <a:r>
+              <a:rPr lang="en-US" dirty="0" smtClean="0"/>
+              <a:t>application</a:t>
+            </a:r>
+          </a:p>
+          <a:p>
+            <a:r>
+              <a:rPr lang="en-US" dirty="0" smtClean="0"/>
+              <a:t>Testing</a:t>
+            </a:r>
+            <a:endParaRPr lang="en-US" dirty="0"/>
+          </a:p>
+        </p:txBody>
+      </p:sp>
     </p:spTree>
   </p:cSld>
   <p:clrMapOvr>
@@ -4307,7 +4592,7 @@
           <a:p>
             <a:r>
               <a:rPr lang="en-US" dirty="0" smtClean="0"/>
-              <a:t>Login Page</a:t>
+              <a:t>Sign-up Page</a:t>
             </a:r>
             <a:endParaRPr lang="en-US" dirty="0"/>
           </a:p>
@@ -4315,7 +4600,7 @@
       </p:sp>
       <p:pic>
         <p:nvPicPr>
-          <p:cNvPr id="2050" name="Picture 2"/>
+          <p:cNvPr id="1027" name="Picture 3"/>
           <p:cNvPicPr>
             <a:picLocks noGrp="1" noChangeAspect="1" noChangeArrowheads="1"/>
           </p:cNvPicPr>
@@ -4332,8 +4617,8 @@
         </p:blipFill>
         <p:spPr bwMode="auto">
           <a:xfrm>
-            <a:off x="1371600" y="2057400"/>
-            <a:ext cx="6705600" cy="3590925"/>
+            <a:off x="1295400" y="1676400"/>
+            <a:ext cx="6705599" cy="4587875"/>
           </a:xfrm>
           <a:prstGeom prst="rect">
             <a:avLst/>
@@ -4389,7 +4674,7 @@
           <a:p>
             <a:r>
               <a:rPr lang="en-US" dirty="0" smtClean="0"/>
-              <a:t>Web Application</a:t>
+              <a:t>Login Page</a:t>
             </a:r>
             <a:endParaRPr lang="en-US" dirty="0"/>
           </a:p>
@@ -4397,7 +4682,7 @@
       </p:sp>
       <p:pic>
         <p:nvPicPr>
-          <p:cNvPr id="3074" name="Picture 2"/>
+          <p:cNvPr id="2050" name="Picture 2"/>
           <p:cNvPicPr>
             <a:picLocks noGrp="1" noChangeAspect="1" noChangeArrowheads="1"/>
           </p:cNvPicPr>
@@ -4414,8 +4699,8 @@
         </p:blipFill>
         <p:spPr bwMode="auto">
           <a:xfrm>
-            <a:off x="457200" y="2218508"/>
-            <a:ext cx="8229600" cy="3900533"/>
+            <a:off x="1371600" y="2057400"/>
+            <a:ext cx="6705600" cy="3590925"/>
           </a:xfrm>
           <a:prstGeom prst="rect">
             <a:avLst/>
@@ -4464,47 +4749,14 @@
             <p:ph type="title"/>
           </p:nvPr>
         </p:nvSpPr>
-        <p:spPr>
-          <a:xfrm>
-            <a:off x="457200" y="0"/>
-            <a:ext cx="8229600" cy="1399032"/>
-          </a:xfrm>
-        </p:spPr>
+        <p:spPr/>
         <p:txBody>
           <a:bodyPr/>
           <a:lstStyle/>
           <a:p>
             <a:r>
               <a:rPr lang="en-US" dirty="0" smtClean="0"/>
-              <a:t>Diagrams</a:t>
-            </a:r>
-            <a:endParaRPr lang="en-US" dirty="0"/>
-          </a:p>
-        </p:txBody>
-      </p:sp>
-      <p:sp>
-        <p:nvSpPr>
-          <p:cNvPr id="3" name="Content Placeholder 2"/>
-          <p:cNvSpPr>
-            <a:spLocks noGrp="1"/>
-          </p:cNvSpPr>
-          <p:nvPr>
-            <p:ph idx="1"/>
-          </p:nvPr>
-        </p:nvSpPr>
-        <p:spPr>
-          <a:xfrm>
-            <a:off x="457200" y="1143000"/>
-            <a:ext cx="8229600" cy="4572000"/>
-          </a:xfrm>
-        </p:spPr>
-        <p:txBody>
-          <a:bodyPr/>
-          <a:lstStyle/>
-          <a:p>
-            <a:r>
-              <a:rPr lang="en-US" dirty="0" smtClean="0"/>
-              <a:t>Use case			Activity</a:t>
+              <a:t>Web Application</a:t>
             </a:r>
             <a:endParaRPr lang="en-US" dirty="0"/>
           </a:p>
@@ -4514,21 +4766,23 @@
         <p:nvPicPr>
           <p:cNvPr id="3074" name="Picture 2"/>
           <p:cNvPicPr>
-            <a:picLocks noChangeAspect="1" noChangeArrowheads="1"/>
+            <a:picLocks noGrp="1" noChangeAspect="1" noChangeArrowheads="1"/>
           </p:cNvPicPr>
-          <p:nvPr/>
+          <p:nvPr>
+            <p:ph idx="1"/>
+          </p:nvPr>
         </p:nvPicPr>
         <p:blipFill>
           <a:blip r:embed="rId2" cstate="print"/>
-          <a:srcRect l="25769" t="19792" r="50219" b="23958"/>
+          <a:srcRect/>
           <a:stretch>
             <a:fillRect/>
           </a:stretch>
         </p:blipFill>
         <p:spPr bwMode="auto">
           <a:xfrm>
-            <a:off x="228600" y="1808356"/>
-            <a:ext cx="3429000" cy="4516244"/>
+            <a:off x="457200" y="2218508"/>
+            <a:ext cx="8229600" cy="3900533"/>
           </a:xfrm>
           <a:prstGeom prst="rect">
             <a:avLst/>
@@ -4542,50 +4796,11 @@
           </a:ln>
         </p:spPr>
       </p:pic>
-      <p:pic>
-        <p:nvPicPr>
-          <p:cNvPr id="6" name="Picture 3"/>
-          <p:cNvPicPr>
-            <a:picLocks noChangeAspect="1" noChangeArrowheads="1"/>
-          </p:cNvPicPr>
-          <p:nvPr/>
-        </p:nvPicPr>
-        <p:blipFill>
-          <a:blip r:embed="rId3" cstate="print"/>
-          <a:srcRect l="26574" t="20000" r="31259" b="10000"/>
-          <a:stretch>
-            <a:fillRect/>
-          </a:stretch>
-        </p:blipFill>
-        <p:spPr bwMode="auto">
-          <a:xfrm>
-            <a:off x="3962400" y="1981200"/>
-            <a:ext cx="5094514" cy="4754880"/>
-          </a:xfrm>
-          <a:prstGeom prst="rect">
-            <a:avLst/>
-          </a:prstGeom>
-          <a:noFill/>
-          <a:ln w="9525">
-            <a:noFill/>
-            <a:miter lim="800000"/>
-            <a:headEnd/>
-            <a:tailEnd/>
-          </a:ln>
-        </p:spPr>
-      </p:pic>
     </p:spTree>
   </p:cSld>
   <p:clrMapOvr>
     <a:masterClrMapping/>
   </p:clrMapOvr>
-  <p:timing>
-    <p:tnLst>
-      <p:par>
-        <p:cTn id="1" dur="indefinite" restart="never" nodeType="tmRoot"/>
-      </p:par>
-    </p:tnLst>
-  </p:timing>
 </p:sld>
 </file>
 
@@ -4618,7 +4833,7 @@
         </p:nvSpPr>
         <p:spPr>
           <a:xfrm>
-            <a:off x="457200" y="-228600"/>
+            <a:off x="457200" y="0"/>
             <a:ext cx="8229600" cy="1399032"/>
           </a:xfrm>
         </p:spPr>
@@ -4646,52 +4861,17 @@
         </p:nvSpPr>
         <p:spPr>
           <a:xfrm>
-            <a:off x="381000" y="533400"/>
+            <a:off x="457200" y="1143000"/>
             <a:ext cx="8229600" cy="4572000"/>
           </a:xfrm>
         </p:spPr>
         <p:txBody>
-          <a:bodyPr>
-            <a:normAutofit/>
-          </a:bodyPr>
-          <a:lstStyle/>
-          <a:p>
-            <a:pPr>
-              <a:lnSpc>
-                <a:spcPct val="200000"/>
-              </a:lnSpc>
-            </a:pPr>
+          <a:bodyPr/>
+          <a:lstStyle/>
+          <a:p>
             <a:r>
               <a:rPr lang="en-US" dirty="0" smtClean="0"/>
-              <a:t>Sequence			</a:t>
-            </a:r>
-          </a:p>
-          <a:p>
-            <a:pPr>
-              <a:lnSpc>
-                <a:spcPct val="200000"/>
-              </a:lnSpc>
-            </a:pPr>
-            <a:endParaRPr lang="en-US" dirty="0" smtClean="0"/>
-          </a:p>
-          <a:p>
-            <a:pPr>
-              <a:lnSpc>
-                <a:spcPct val="200000"/>
-              </a:lnSpc>
-              <a:buNone/>
-            </a:pPr>
-            <a:endParaRPr lang="en-US" dirty="0" smtClean="0"/>
-          </a:p>
-          <a:p>
-            <a:pPr>
-              <a:lnSpc>
-                <a:spcPct val="200000"/>
-              </a:lnSpc>
-            </a:pPr>
-            <a:r>
-              <a:rPr lang="en-US" dirty="0" smtClean="0"/>
-              <a:t>State</a:t>
+              <a:t>Use case			Activity</a:t>
             </a:r>
             <a:endParaRPr lang="en-US" dirty="0"/>
           </a:p>
@@ -4699,7 +4879,7 @@
       </p:sp>
       <p:pic>
         <p:nvPicPr>
-          <p:cNvPr id="2050" name="Picture 2"/>
+          <p:cNvPr id="3074" name="Picture 2"/>
           <p:cNvPicPr>
             <a:picLocks noChangeAspect="1" noChangeArrowheads="1"/>
           </p:cNvPicPr>
@@ -4707,15 +4887,15 @@
         </p:nvPicPr>
         <p:blipFill>
           <a:blip r:embed="rId2" cstate="print"/>
-          <a:srcRect l="27526" t="22917" r="33821" b="52083"/>
+          <a:srcRect l="25769" t="19792" r="50219" b="23958"/>
           <a:stretch>
             <a:fillRect/>
           </a:stretch>
         </p:blipFill>
         <p:spPr bwMode="auto">
           <a:xfrm>
-            <a:off x="762000" y="1323109"/>
-            <a:ext cx="6400800" cy="2327564"/>
+            <a:off x="228600" y="1808356"/>
+            <a:ext cx="3429000" cy="4516244"/>
           </a:xfrm>
           <a:prstGeom prst="rect">
             <a:avLst/>
@@ -4731,7 +4911,7 @@
       </p:pic>
       <p:pic>
         <p:nvPicPr>
-          <p:cNvPr id="2052" name="Picture 4"/>
+          <p:cNvPr id="6" name="Picture 3"/>
           <p:cNvPicPr>
             <a:picLocks noChangeAspect="1" noChangeArrowheads="1"/>
           </p:cNvPicPr>
@@ -4739,15 +4919,15 @@
         </p:nvPicPr>
         <p:blipFill>
           <a:blip r:embed="rId3" cstate="print"/>
-          <a:srcRect l="25403" t="32292" r="26574" b="35416"/>
+          <a:srcRect l="26574" t="20000" r="31259" b="10000"/>
           <a:stretch>
             <a:fillRect/>
           </a:stretch>
         </p:blipFill>
         <p:spPr bwMode="auto">
           <a:xfrm>
-            <a:off x="990599" y="4343400"/>
-            <a:ext cx="6449961" cy="2438400"/>
+            <a:off x="3962400" y="1981200"/>
+            <a:ext cx="5094514" cy="4754880"/>
           </a:xfrm>
           <a:prstGeom prst="rect">
             <a:avLst/>
